--- a/docs/images/goslings-on-kubernetes-cont/objects.pptx
+++ b/docs/images/goslings-on-kubernetes-cont/objects.pptx
@@ -288,7 +288,7 @@
           <a:p>
             <a:fld id="{388BD72A-C37C-489F-BE19-E9D8AEBBA5DC}" type="datetimeFigureOut">
               <a:rPr kumimoji="1" lang="ja-JP" altLang="en-US" smtClean="0"/>
-              <a:t>2017/10/11</a:t>
+              <a:t>2017/10/27</a:t>
             </a:fld>
             <a:endParaRPr kumimoji="1" lang="ja-JP" altLang="en-US"/>
           </a:p>
@@ -490,7 +490,7 @@
           <a:p>
             <a:fld id="{388BD72A-C37C-489F-BE19-E9D8AEBBA5DC}" type="datetimeFigureOut">
               <a:rPr kumimoji="1" lang="ja-JP" altLang="en-US" smtClean="0"/>
-              <a:t>2017/10/11</a:t>
+              <a:t>2017/10/27</a:t>
             </a:fld>
             <a:endParaRPr kumimoji="1" lang="ja-JP" altLang="en-US"/>
           </a:p>
@@ -702,7 +702,7 @@
           <a:p>
             <a:fld id="{388BD72A-C37C-489F-BE19-E9D8AEBBA5DC}" type="datetimeFigureOut">
               <a:rPr kumimoji="1" lang="ja-JP" altLang="en-US" smtClean="0"/>
-              <a:t>2017/10/11</a:t>
+              <a:t>2017/10/27</a:t>
             </a:fld>
             <a:endParaRPr kumimoji="1" lang="ja-JP" altLang="en-US"/>
           </a:p>
@@ -904,7 +904,7 @@
           <a:p>
             <a:fld id="{388BD72A-C37C-489F-BE19-E9D8AEBBA5DC}" type="datetimeFigureOut">
               <a:rPr kumimoji="1" lang="ja-JP" altLang="en-US" smtClean="0"/>
-              <a:t>2017/10/11</a:t>
+              <a:t>2017/10/27</a:t>
             </a:fld>
             <a:endParaRPr kumimoji="1" lang="ja-JP" altLang="en-US"/>
           </a:p>
@@ -1150,7 +1150,7 @@
           <a:p>
             <a:fld id="{388BD72A-C37C-489F-BE19-E9D8AEBBA5DC}" type="datetimeFigureOut">
               <a:rPr kumimoji="1" lang="ja-JP" altLang="en-US" smtClean="0"/>
-              <a:t>2017/10/11</a:t>
+              <a:t>2017/10/27</a:t>
             </a:fld>
             <a:endParaRPr kumimoji="1" lang="ja-JP" altLang="en-US"/>
           </a:p>
@@ -1502,7 +1502,7 @@
           <a:p>
             <a:fld id="{388BD72A-C37C-489F-BE19-E9D8AEBBA5DC}" type="datetimeFigureOut">
               <a:rPr kumimoji="1" lang="ja-JP" altLang="en-US" smtClean="0"/>
-              <a:t>2017/10/11</a:t>
+              <a:t>2017/10/27</a:t>
             </a:fld>
             <a:endParaRPr kumimoji="1" lang="ja-JP" altLang="en-US"/>
           </a:p>
@@ -1988,7 +1988,7 @@
           <a:p>
             <a:fld id="{388BD72A-C37C-489F-BE19-E9D8AEBBA5DC}" type="datetimeFigureOut">
               <a:rPr kumimoji="1" lang="ja-JP" altLang="en-US" smtClean="0"/>
-              <a:t>2017/10/11</a:t>
+              <a:t>2017/10/27</a:t>
             </a:fld>
             <a:endParaRPr kumimoji="1" lang="ja-JP" altLang="en-US"/>
           </a:p>
@@ -2106,7 +2106,7 @@
           <a:p>
             <a:fld id="{388BD72A-C37C-489F-BE19-E9D8AEBBA5DC}" type="datetimeFigureOut">
               <a:rPr kumimoji="1" lang="ja-JP" altLang="en-US" smtClean="0"/>
-              <a:t>2017/10/11</a:t>
+              <a:t>2017/10/27</a:t>
             </a:fld>
             <a:endParaRPr kumimoji="1" lang="ja-JP" altLang="en-US"/>
           </a:p>
@@ -2201,7 +2201,7 @@
           <a:p>
             <a:fld id="{388BD72A-C37C-489F-BE19-E9D8AEBBA5DC}" type="datetimeFigureOut">
               <a:rPr kumimoji="1" lang="ja-JP" altLang="en-US" smtClean="0"/>
-              <a:t>2017/10/11</a:t>
+              <a:t>2017/10/27</a:t>
             </a:fld>
             <a:endParaRPr kumimoji="1" lang="ja-JP" altLang="en-US"/>
           </a:p>
@@ -2510,7 +2510,7 @@
           <a:p>
             <a:fld id="{388BD72A-C37C-489F-BE19-E9D8AEBBA5DC}" type="datetimeFigureOut">
               <a:rPr kumimoji="1" lang="ja-JP" altLang="en-US" smtClean="0"/>
-              <a:t>2017/10/11</a:t>
+              <a:t>2017/10/27</a:t>
             </a:fld>
             <a:endParaRPr kumimoji="1" lang="ja-JP" altLang="en-US"/>
           </a:p>
@@ -2763,7 +2763,7 @@
           <a:p>
             <a:fld id="{388BD72A-C37C-489F-BE19-E9D8AEBBA5DC}" type="datetimeFigureOut">
               <a:rPr kumimoji="1" lang="ja-JP" altLang="en-US" smtClean="0"/>
-              <a:t>2017/10/11</a:t>
+              <a:t>2017/10/27</a:t>
             </a:fld>
             <a:endParaRPr kumimoji="1" lang="ja-JP" altLang="en-US"/>
           </a:p>
@@ -3008,7 +3008,7 @@
           <a:p>
             <a:fld id="{388BD72A-C37C-489F-BE19-E9D8AEBBA5DC}" type="datetimeFigureOut">
               <a:rPr kumimoji="1" lang="ja-JP" altLang="en-US" smtClean="0"/>
-              <a:t>2017/10/11</a:t>
+              <a:t>2017/10/27</a:t>
             </a:fld>
             <a:endParaRPr kumimoji="1" lang="ja-JP" altLang="en-US"/>
           </a:p>
@@ -3391,8 +3391,8 @@
         </p:nvSpPr>
         <p:spPr>
           <a:xfrm>
-            <a:off x="2224180" y="557973"/>
-            <a:ext cx="4796092" cy="5895364"/>
+            <a:off x="2224180" y="1844823"/>
+            <a:ext cx="4796092" cy="4608513"/>
           </a:xfrm>
           <a:prstGeom prst="rect">
             <a:avLst/>
@@ -3448,76 +3448,6 @@
                 </a:schemeClr>
               </a:solidFill>
               <a:latin typeface="Impact" panose="020B0806030902050204" pitchFamily="34" charset="0"/>
-            </a:endParaRPr>
-          </a:p>
-        </p:txBody>
-      </p:sp>
-      <p:sp>
-        <p:nvSpPr>
-          <p:cNvPr id="7" name="七角形 6"/>
-          <p:cNvSpPr>
-            <a:spLocks noChangeAspect="1"/>
-          </p:cNvSpPr>
-          <p:nvPr/>
-        </p:nvSpPr>
-        <p:spPr>
-          <a:xfrm>
-            <a:off x="2555776" y="1069975"/>
-            <a:ext cx="1152815" cy="1062881"/>
-          </a:xfrm>
-          <a:prstGeom prst="heptagon">
-            <a:avLst/>
-          </a:prstGeom>
-          <a:solidFill>
-            <a:srgbClr val="326DE6"/>
-          </a:solidFill>
-          <a:ln>
-            <a:noFill/>
-          </a:ln>
-        </p:spPr>
-        <p:style>
-          <a:lnRef idx="2">
-            <a:schemeClr val="accent1">
-              <a:shade val="50000"/>
-            </a:schemeClr>
-          </a:lnRef>
-          <a:fillRef idx="1">
-            <a:schemeClr val="accent1"/>
-          </a:fillRef>
-          <a:effectRef idx="0">
-            <a:schemeClr val="accent1"/>
-          </a:effectRef>
-          <a:fontRef idx="minor">
-            <a:schemeClr val="lt1"/>
-          </a:fontRef>
-        </p:style>
-        <p:txBody>
-          <a:bodyPr rtlCol="0" anchor="ctr"/>
-          <a:lstStyle/>
-          <a:p>
-            <a:pPr algn="ctr"/>
-            <a:r>
-              <a:rPr kumimoji="1" lang="en-US" altLang="ja-JP" dirty="0" smtClean="0">
-                <a:solidFill>
-                  <a:schemeClr val="bg1">
-                    <a:lumMod val="95000"/>
-                  </a:schemeClr>
-                </a:solidFill>
-                <a:latin typeface="Impact" panose="020B0806030902050204" pitchFamily="34" charset="0"/>
-                <a:ea typeface="Arial Unicode MS" panose="020B0604020202020204" pitchFamily="50" charset="-128"/>
-                <a:cs typeface="Arial Unicode MS" panose="020B0604020202020204" pitchFamily="50" charset="-128"/>
-              </a:rPr>
-              <a:t>Master</a:t>
-            </a:r>
-            <a:endParaRPr kumimoji="1" lang="ja-JP" altLang="en-US" dirty="0">
-              <a:solidFill>
-                <a:schemeClr val="bg1">
-                  <a:lumMod val="95000"/>
-                </a:schemeClr>
-              </a:solidFill>
-              <a:latin typeface="Impact" panose="020B0806030902050204" pitchFamily="34" charset="0"/>
-              <a:ea typeface="Arial Unicode MS" panose="020B0604020202020204" pitchFamily="50" charset="-128"/>
-              <a:cs typeface="Arial Unicode MS" panose="020B0604020202020204" pitchFamily="50" charset="-128"/>
             </a:endParaRPr>
           </a:p>
         </p:txBody>
@@ -3633,44 +3563,6 @@
           </a:p>
         </p:txBody>
       </p:sp>
-      <p:cxnSp>
-        <p:nvCxnSpPr>
-          <p:cNvPr id="13" name="カギ線コネクタ 12"/>
-          <p:cNvCxnSpPr>
-            <a:stCxn id="2" idx="3"/>
-            <a:endCxn id="7" idx="1"/>
-          </p:cNvCxnSpPr>
-          <p:nvPr/>
-        </p:nvCxnSpPr>
-        <p:spPr>
-          <a:xfrm rot="16200000" flipV="1">
-            <a:off x="4054646" y="1407469"/>
-            <a:ext cx="235320" cy="927423"/>
-          </a:xfrm>
-          <a:prstGeom prst="bentConnector2">
-            <a:avLst/>
-          </a:prstGeom>
-          <a:ln>
-            <a:headEnd type="triangle"/>
-            <a:tailEnd type="triangle"/>
-          </a:ln>
-          <a:effectLst/>
-        </p:spPr>
-        <p:style>
-          <a:lnRef idx="3">
-            <a:schemeClr val="accent3"/>
-          </a:lnRef>
-          <a:fillRef idx="0">
-            <a:schemeClr val="accent3"/>
-          </a:fillRef>
-          <a:effectRef idx="2">
-            <a:schemeClr val="accent3"/>
-          </a:effectRef>
-          <a:fontRef idx="minor">
-            <a:schemeClr val="tx1"/>
-          </a:fontRef>
-        </p:style>
-      </p:cxnSp>
       <p:sp>
         <p:nvSpPr>
           <p:cNvPr id="26" name="テキスト ボックス 25"/>
@@ -3743,7 +3635,7 @@
         </p:blipFill>
         <p:spPr bwMode="auto">
           <a:xfrm>
-            <a:off x="-59411" y="2996952"/>
+            <a:off x="-59411" y="3785021"/>
             <a:ext cx="1300163" cy="1300163"/>
           </a:xfrm>
           <a:prstGeom prst="rect">
@@ -3791,7 +3683,7 @@
         </p:blipFill>
         <p:spPr bwMode="auto">
           <a:xfrm>
-            <a:off x="952720" y="3006302"/>
+            <a:off x="952720" y="3794371"/>
             <a:ext cx="1099000" cy="1099000"/>
           </a:xfrm>
           <a:prstGeom prst="rect">
@@ -3809,44 +3701,6 @@
           </a:extLst>
         </p:spPr>
       </p:pic>
-      <p:cxnSp>
-        <p:nvCxnSpPr>
-          <p:cNvPr id="46" name="カギ線コネクタ 45"/>
-          <p:cNvCxnSpPr>
-            <a:stCxn id="7" idx="4"/>
-            <a:endCxn id="1034" idx="0"/>
-          </p:cNvCxnSpPr>
-          <p:nvPr/>
-        </p:nvCxnSpPr>
-        <p:spPr>
-          <a:xfrm rot="10800000" flipV="1">
-            <a:off x="1502221" y="1753520"/>
-            <a:ext cx="1053553" cy="1252781"/>
-          </a:xfrm>
-          <a:prstGeom prst="bentConnector2">
-            <a:avLst/>
-          </a:prstGeom>
-          <a:ln>
-            <a:headEnd type="triangle"/>
-            <a:tailEnd type="none"/>
-          </a:ln>
-          <a:effectLst/>
-        </p:spPr>
-        <p:style>
-          <a:lnRef idx="3">
-            <a:schemeClr val="accent3"/>
-          </a:lnRef>
-          <a:fillRef idx="0">
-            <a:schemeClr val="accent3"/>
-          </a:fillRef>
-          <a:effectRef idx="2">
-            <a:schemeClr val="accent3"/>
-          </a:effectRef>
-          <a:fontRef idx="minor">
-            <a:schemeClr val="tx1"/>
-          </a:fontRef>
-        </p:style>
-      </p:cxnSp>
       <p:sp>
         <p:nvSpPr>
           <p:cNvPr id="49" name="角丸四角形 48"/>
@@ -4034,9 +3888,9 @@
           <p:nvPr/>
         </p:nvCxnSpPr>
         <p:spPr>
-          <a:xfrm rot="10800000">
-            <a:off x="2051720" y="3555802"/>
-            <a:ext cx="720080" cy="602542"/>
+          <a:xfrm rot="10800000" flipV="1">
+            <a:off x="2051720" y="4158343"/>
+            <a:ext cx="720080" cy="185527"/>
           </a:xfrm>
           <a:prstGeom prst="bentConnector3">
             <a:avLst>
